--- a/Week 1/2_Text_Processing.pptx
+++ b/Week 1/2_Text_Processing.pptx
@@ -3360,10 +3360,35 @@
       </p:grpSpPr>
       <p:sp>
         <p:nvSpPr>
-          <p:cNvPr id="8" name="Rectangle 7">
-            <a:extLst>
-              <a:ext uri="{FF2B5EF4-FFF2-40B4-BE49-F238E27FC236}">
-                <a16:creationId xmlns:a16="http://schemas.microsoft.com/office/drawing/2014/main" id="{D5189306-04D9-4982-9EBE-938B344A1113}"/>
+          <p:cNvPr id="4" name="Title 3">
+            <a:extLst>
+              <a:ext uri="{FF2B5EF4-FFF2-40B4-BE49-F238E27FC236}">
+                <a16:creationId xmlns:a16="http://schemas.microsoft.com/office/drawing/2014/main" id="{21A49085-C0DD-424A-BE47-1571DFE9ABE2}"/>
+              </a:ext>
+            </a:extLst>
+          </p:cNvPr>
+          <p:cNvSpPr>
+            <a:spLocks noGrp="1"/>
+          </p:cNvSpPr>
+          <p:nvPr>
+            <p:ph type="ctrTitle"/>
+          </p:nvPr>
+        </p:nvSpPr>
+        <p:spPr/>
+        <p:txBody>
+          <a:bodyPr/>
+          <a:lstStyle/>
+          <a:p>
+            <a:endParaRPr lang="en-GB"/>
+          </a:p>
+        </p:txBody>
+      </p:sp>
+      <p:sp useBgFill="1">
+        <p:nvSpPr>
+          <p:cNvPr id="13" name="Rectangle 7">
+            <a:extLst>
+              <a:ext uri="{FF2B5EF4-FFF2-40B4-BE49-F238E27FC236}">
+                <a16:creationId xmlns:a16="http://schemas.microsoft.com/office/drawing/2014/main" id="{504705F0-A7C4-4346-885A-EE3673A07B12}"/>
               </a:ext>
               <a:ext uri="{C183D7F6-B498-43B3-948B-1728B52AA6E4}">
                 <adec:decorative xmlns:adec="http://schemas.microsoft.com/office/drawing/2017/decorative" val="1"/>
@@ -3389,9 +3414,95 @@
           <a:prstGeom prst="rect">
             <a:avLst/>
           </a:prstGeom>
-          <a:solidFill>
-            <a:schemeClr val="bg2"/>
-          </a:solidFill>
+          <a:ln w="12700" cap="flat" cmpd="sng" algn="ctr">
+            <a:noFill/>
+            <a:prstDash val="solid"/>
+            <a:miter lim="800000"/>
+          </a:ln>
+          <a:effectLst/>
+          <a:extLst>
+            <a:ext uri="{91240B29-F687-4F45-9708-019B960494DF}">
+              <a14:hiddenLine xmlns:a14="http://schemas.microsoft.com/office/drawing/2010/main" w="12700" cap="flat" cmpd="sng" algn="ctr">
+                <a:solidFill>
+                  <a:schemeClr val="accent1">
+                    <a:shade val="50000"/>
+                  </a:schemeClr>
+                </a:solidFill>
+                <a:prstDash val="solid"/>
+                <a:miter lim="800000"/>
+              </a14:hiddenLine>
+            </a:ext>
+          </a:extLst>
+        </p:spPr>
+        <p:style>
+          <a:lnRef idx="2">
+            <a:schemeClr val="accent1">
+              <a:shade val="50000"/>
+            </a:schemeClr>
+          </a:lnRef>
+          <a:fillRef idx="1">
+            <a:schemeClr val="accent1"/>
+          </a:fillRef>
+          <a:effectRef idx="0">
+            <a:schemeClr val="accent1"/>
+          </a:effectRef>
+          <a:fontRef idx="minor">
+            <a:schemeClr val="lt1"/>
+          </a:fontRef>
+        </p:style>
+        <p:txBody>
+          <a:bodyPr rtlCol="0" anchor="ctr"/>
+          <a:lstStyle/>
+          <a:p>
+            <a:pPr algn="ctr"/>
+            <a:endParaRPr lang="en-US"/>
+          </a:p>
+        </p:txBody>
+      </p:sp>
+      <p:sp>
+        <p:nvSpPr>
+          <p:cNvPr id="15" name="Rectangle 9">
+            <a:extLst>
+              <a:ext uri="{FF2B5EF4-FFF2-40B4-BE49-F238E27FC236}">
+                <a16:creationId xmlns:a16="http://schemas.microsoft.com/office/drawing/2014/main" id="{907919A2-7EAB-4D2E-AAC2-9E7EBFC28FC6}"/>
+              </a:ext>
+              <a:ext uri="{C183D7F6-B498-43B3-948B-1728B52AA6E4}">
+                <adec:decorative xmlns:adec="http://schemas.microsoft.com/office/drawing/2017/decorative" val="1"/>
+              </a:ext>
+            </a:extLst>
+          </p:cNvPr>
+          <p:cNvSpPr>
+            <a:spLocks noGrp="1" noRot="1" noChangeAspect="1" noMove="1" noResize="1" noEditPoints="1" noAdjustHandles="1" noChangeArrowheads="1" noChangeShapeType="1" noTextEdit="1"/>
+          </p:cNvSpPr>
+          <p:nvPr>
+            <p:extLst>
+              <p:ext uri="{386F3935-93C4-4BCD-93E2-E3B085C9AB24}">
+                <p16:designElem xmlns:p16="http://schemas.microsoft.com/office/powerpoint/2015/main" val="1"/>
+              </p:ext>
+            </p:extLst>
+          </p:nvPr>
+        </p:nvSpPr>
+        <p:spPr>
+          <a:xfrm rot="10800000">
+            <a:off x="-2" y="-22693"/>
+            <a:ext cx="12191999" cy="4374129"/>
+          </a:xfrm>
+          <a:prstGeom prst="rect">
+            <a:avLst/>
+          </a:prstGeom>
+          <a:gradFill>
+            <a:gsLst>
+              <a:gs pos="0">
+                <a:schemeClr val="accent1">
+                  <a:lumMod val="75000"/>
+                </a:schemeClr>
+              </a:gs>
+              <a:gs pos="100000">
+                <a:srgbClr val="000000"/>
+              </a:gs>
+            </a:gsLst>
+            <a:lin ang="15000000" scaled="0"/>
+          </a:gradFill>
           <a:ln>
             <a:noFill/>
           </a:ln>
@@ -3417,16 +3528,16 @@
           <a:lstStyle/>
           <a:p>
             <a:pPr algn="ctr"/>
-            <a:endParaRPr lang="en-US" dirty="0"/>
+            <a:endParaRPr lang="en-US"/>
           </a:p>
         </p:txBody>
       </p:sp>
       <p:sp>
         <p:nvSpPr>
-          <p:cNvPr id="10" name="Freeform: Shape 9">
-            <a:extLst>
-              <a:ext uri="{FF2B5EF4-FFF2-40B4-BE49-F238E27FC236}">
-                <a16:creationId xmlns:a16="http://schemas.microsoft.com/office/drawing/2014/main" id="{102C4642-2AB4-49A1-89D9-3E5C01E99D58}"/>
+          <p:cNvPr id="17" name="Rectangle 11">
+            <a:extLst>
+              <a:ext uri="{FF2B5EF4-FFF2-40B4-BE49-F238E27FC236}">
+                <a16:creationId xmlns:a16="http://schemas.microsoft.com/office/drawing/2014/main" id="{7920255A-EB32-42F8-A2FB-2A79E20168F6}"/>
               </a:ext>
               <a:ext uri="{C183D7F6-B498-43B3-948B-1728B52AA6E4}">
                 <adec:decorative xmlns:adec="http://schemas.microsoft.com/office/drawing/2017/decorative" val="1"/>
@@ -3445,23 +3556,252 @@
           </p:nvPr>
         </p:nvSpPr>
         <p:spPr>
-          <a:xfrm rot="2700000">
-            <a:off x="-1872577" y="1372793"/>
-            <a:ext cx="6135300" cy="5537781"/>
+          <a:xfrm rot="5400000">
+            <a:off x="3908719" y="-3931841"/>
+            <a:ext cx="4374557" cy="12192000"/>
+          </a:xfrm>
+          <a:prstGeom prst="rect">
+            <a:avLst/>
+          </a:prstGeom>
+          <a:gradFill>
+            <a:gsLst>
+              <a:gs pos="40000">
+                <a:schemeClr val="accent1">
+                  <a:alpha val="0"/>
+                </a:schemeClr>
+              </a:gs>
+              <a:gs pos="100000">
+                <a:schemeClr val="accent1">
+                  <a:lumMod val="75000"/>
+                  <a:alpha val="52000"/>
+                </a:schemeClr>
+              </a:gs>
+            </a:gsLst>
+            <a:lin ang="2400000" scaled="0"/>
+          </a:gradFill>
+          <a:ln>
+            <a:noFill/>
+          </a:ln>
+        </p:spPr>
+        <p:style>
+          <a:lnRef idx="2">
+            <a:schemeClr val="accent1">
+              <a:shade val="50000"/>
+            </a:schemeClr>
+          </a:lnRef>
+          <a:fillRef idx="1">
+            <a:schemeClr val="accent1"/>
+          </a:fillRef>
+          <a:effectRef idx="0">
+            <a:schemeClr val="accent1"/>
+          </a:effectRef>
+          <a:fontRef idx="minor">
+            <a:schemeClr val="lt1"/>
+          </a:fontRef>
+        </p:style>
+        <p:txBody>
+          <a:bodyPr rtlCol="0" anchor="ctr"/>
+          <a:lstStyle/>
+          <a:p>
+            <a:pPr algn="ctr"/>
+            <a:endParaRPr lang="en-US"/>
+          </a:p>
+        </p:txBody>
+      </p:sp>
+      <p:sp>
+        <p:nvSpPr>
+          <p:cNvPr id="19" name="Rectangle 13">
+            <a:extLst>
+              <a:ext uri="{FF2B5EF4-FFF2-40B4-BE49-F238E27FC236}">
+                <a16:creationId xmlns:a16="http://schemas.microsoft.com/office/drawing/2014/main" id="{E30A8511-F823-4E3B-B0AB-5A64C303D8EE}"/>
+              </a:ext>
+              <a:ext uri="{C183D7F6-B498-43B3-948B-1728B52AA6E4}">
+                <adec:decorative xmlns:adec="http://schemas.microsoft.com/office/drawing/2017/decorative" val="1"/>
+              </a:ext>
+            </a:extLst>
+          </p:cNvPr>
+          <p:cNvSpPr>
+            <a:spLocks noGrp="1" noRot="1" noChangeAspect="1" noMove="1" noResize="1" noEditPoints="1" noAdjustHandles="1" noChangeArrowheads="1" noChangeShapeType="1" noTextEdit="1"/>
+          </p:cNvSpPr>
+          <p:nvPr>
+            <p:extLst>
+              <p:ext uri="{386F3935-93C4-4BCD-93E2-E3B085C9AB24}">
+                <p16:designElem xmlns:p16="http://schemas.microsoft.com/office/powerpoint/2015/main" val="1"/>
+              </p:ext>
+            </p:extLst>
+          </p:nvPr>
+        </p:nvSpPr>
+        <p:spPr>
+          <a:xfrm rot="5400000">
+            <a:off x="4136696" y="-3703868"/>
+            <a:ext cx="4374128" cy="11736479"/>
+          </a:xfrm>
+          <a:prstGeom prst="rect">
+            <a:avLst/>
+          </a:prstGeom>
+          <a:gradFill>
+            <a:gsLst>
+              <a:gs pos="17000">
+                <a:schemeClr val="accent1">
+                  <a:alpha val="0"/>
+                </a:schemeClr>
+              </a:gs>
+              <a:gs pos="100000">
+                <a:srgbClr val="000000">
+                  <a:alpha val="37000"/>
+                </a:srgbClr>
+              </a:gs>
+            </a:gsLst>
+            <a:lin ang="7800000" scaled="0"/>
+          </a:gradFill>
+          <a:ln>
+            <a:noFill/>
+          </a:ln>
+        </p:spPr>
+        <p:style>
+          <a:lnRef idx="2">
+            <a:schemeClr val="accent1">
+              <a:shade val="50000"/>
+            </a:schemeClr>
+          </a:lnRef>
+          <a:fillRef idx="1">
+            <a:schemeClr val="accent1"/>
+          </a:fillRef>
+          <a:effectRef idx="0">
+            <a:schemeClr val="accent1"/>
+          </a:effectRef>
+          <a:fontRef idx="minor">
+            <a:schemeClr val="lt1"/>
+          </a:fontRef>
+        </p:style>
+        <p:txBody>
+          <a:bodyPr rtlCol="0" anchor="ctr"/>
+          <a:lstStyle/>
+          <a:p>
+            <a:pPr algn="ctr"/>
+            <a:endParaRPr lang="en-US"/>
+          </a:p>
+        </p:txBody>
+      </p:sp>
+      <p:sp>
+        <p:nvSpPr>
+          <p:cNvPr id="20" name="Rectangle 15">
+            <a:extLst>
+              <a:ext uri="{FF2B5EF4-FFF2-40B4-BE49-F238E27FC236}">
+                <a16:creationId xmlns:a16="http://schemas.microsoft.com/office/drawing/2014/main" id="{C26BC408-0B0E-4D47-AA12-0FEB238A90C5}"/>
+              </a:ext>
+              <a:ext uri="{C183D7F6-B498-43B3-948B-1728B52AA6E4}">
+                <adec:decorative xmlns:adec="http://schemas.microsoft.com/office/drawing/2017/decorative" val="1"/>
+              </a:ext>
+            </a:extLst>
+          </p:cNvPr>
+          <p:cNvSpPr>
+            <a:spLocks noGrp="1" noRot="1" noChangeAspect="1" noMove="1" noResize="1" noEditPoints="1" noAdjustHandles="1" noChangeArrowheads="1" noChangeShapeType="1" noTextEdit="1"/>
+          </p:cNvSpPr>
+          <p:nvPr>
+            <p:extLst>
+              <p:ext uri="{386F3935-93C4-4BCD-93E2-E3B085C9AB24}">
+                <p16:designElem xmlns:p16="http://schemas.microsoft.com/office/powerpoint/2015/main" val="1"/>
+              </p:ext>
+            </p:extLst>
+          </p:nvPr>
+        </p:nvSpPr>
+        <p:spPr>
+          <a:xfrm>
+            <a:off x="-5" y="-22690"/>
+            <a:ext cx="8542485" cy="4374126"/>
+          </a:xfrm>
+          <a:prstGeom prst="rect">
+            <a:avLst/>
+          </a:prstGeom>
+          <a:gradFill>
+            <a:gsLst>
+              <a:gs pos="0">
+                <a:schemeClr val="accent1">
+                  <a:lumMod val="50000"/>
+                  <a:alpha val="0"/>
+                </a:schemeClr>
+              </a:gs>
+              <a:gs pos="100000">
+                <a:srgbClr val="000000">
+                  <a:alpha val="25000"/>
+                </a:srgbClr>
+              </a:gs>
+            </a:gsLst>
+            <a:lin ang="18600000" scaled="0"/>
+          </a:gradFill>
+          <a:ln>
+            <a:noFill/>
+          </a:ln>
+        </p:spPr>
+        <p:style>
+          <a:lnRef idx="2">
+            <a:schemeClr val="accent1">
+              <a:shade val="50000"/>
+            </a:schemeClr>
+          </a:lnRef>
+          <a:fillRef idx="1">
+            <a:schemeClr val="accent1"/>
+          </a:fillRef>
+          <a:effectRef idx="0">
+            <a:schemeClr val="accent1"/>
+          </a:effectRef>
+          <a:fontRef idx="minor">
+            <a:schemeClr val="lt1"/>
+          </a:fontRef>
+        </p:style>
+        <p:txBody>
+          <a:bodyPr rtlCol="0" anchor="ctr"/>
+          <a:lstStyle/>
+          <a:p>
+            <a:pPr algn="ctr"/>
+            <a:endParaRPr lang="en-US"/>
+          </a:p>
+        </p:txBody>
+      </p:sp>
+      <p:sp>
+        <p:nvSpPr>
+          <p:cNvPr id="21" name="Freeform: Shape 17">
+            <a:extLst>
+              <a:ext uri="{FF2B5EF4-FFF2-40B4-BE49-F238E27FC236}">
+                <a16:creationId xmlns:a16="http://schemas.microsoft.com/office/drawing/2014/main" id="{5B82DA75-7054-42AB-B9FC-AA1B7B78864B}"/>
+              </a:ext>
+              <a:ext uri="{C183D7F6-B498-43B3-948B-1728B52AA6E4}">
+                <adec:decorative xmlns:adec="http://schemas.microsoft.com/office/drawing/2017/decorative" val="1"/>
+              </a:ext>
+            </a:extLst>
+          </p:cNvPr>
+          <p:cNvSpPr>
+            <a:spLocks noGrp="1" noRot="1" noChangeAspect="1" noMove="1" noResize="1" noEditPoints="1" noAdjustHandles="1" noChangeArrowheads="1" noChangeShapeType="1" noTextEdit="1"/>
+          </p:cNvSpPr>
+          <p:nvPr>
+            <p:extLst>
+              <p:ext uri="{386F3935-93C4-4BCD-93E2-E3B085C9AB24}">
+                <p16:designElem xmlns:p16="http://schemas.microsoft.com/office/powerpoint/2015/main" val="1"/>
+              </p:ext>
+            </p:extLst>
+          </p:nvPr>
+        </p:nvSpPr>
+        <p:spPr>
+          <a:xfrm rot="12508972">
+            <a:off x="5945431" y="-1032053"/>
+            <a:ext cx="4990147" cy="4439131"/>
           </a:xfrm>
           <a:custGeom>
             <a:avLst/>
             <a:gdLst>
-              <a:gd name="connsiteX0" fmla="*/ 0 w 6135300"/>
-              <a:gd name="connsiteY0" fmla="*/ 0 h 5537781"/>
-              <a:gd name="connsiteX1" fmla="*/ 6135300 w 6135300"/>
-              <a:gd name="connsiteY1" fmla="*/ 0 h 5537781"/>
-              <a:gd name="connsiteX2" fmla="*/ 6135300 w 6135300"/>
-              <a:gd name="connsiteY2" fmla="*/ 3548931 h 5537781"/>
-              <a:gd name="connsiteX3" fmla="*/ 4146451 w 6135300"/>
-              <a:gd name="connsiteY3" fmla="*/ 5537781 h 5537781"/>
-              <a:gd name="connsiteX4" fmla="*/ 0 w 6135300"/>
-              <a:gd name="connsiteY4" fmla="*/ 1391331 h 5537781"/>
+              <a:gd name="connsiteX0" fmla="*/ 4990147 w 4990147"/>
+              <a:gd name="connsiteY0" fmla="*/ 2229378 h 4439131"/>
+              <a:gd name="connsiteX1" fmla="*/ 917384 w 4990147"/>
+              <a:gd name="connsiteY1" fmla="*/ 4439131 h 4439131"/>
+              <a:gd name="connsiteX2" fmla="*/ 910814 w 4990147"/>
+              <a:gd name="connsiteY2" fmla="*/ 4434219 h 4439131"/>
+              <a:gd name="connsiteX3" fmla="*/ 0 w 4990147"/>
+              <a:gd name="connsiteY3" fmla="*/ 2502877 h 4439131"/>
+              <a:gd name="connsiteX4" fmla="*/ 2502877 w 4990147"/>
+              <a:gd name="connsiteY4" fmla="*/ 0 h 4439131"/>
+              <a:gd name="connsiteX5" fmla="*/ 4954904 w 4990147"/>
+              <a:gd name="connsiteY5" fmla="*/ 1998460 h 4439131"/>
             </a:gdLst>
             <a:ahLst/>
             <a:cxnLst>
@@ -3480,34 +3820,58 @@
               <a:cxn ang="0">
                 <a:pos x="connsiteX4" y="connsiteY4"/>
               </a:cxn>
+              <a:cxn ang="0">
+                <a:pos x="connsiteX5" y="connsiteY5"/>
+              </a:cxn>
             </a:cxnLst>
             <a:rect l="l" t="t" r="r" b="b"/>
             <a:pathLst>
-              <a:path w="6135300" h="5537781">
+              <a:path w="4990147" h="4439131">
                 <a:moveTo>
-                  <a:pt x="0" y="0"/>
+                  <a:pt x="4990147" y="2229378"/>
                 </a:moveTo>
                 <a:lnTo>
-                  <a:pt x="6135300" y="0"/>
+                  <a:pt x="917384" y="4439131"/>
                 </a:lnTo>
                 <a:lnTo>
-                  <a:pt x="6135300" y="3548931"/>
+                  <a:pt x="910814" y="4434219"/>
                 </a:lnTo>
-                <a:lnTo>
-                  <a:pt x="4146451" y="5537781"/>
-                </a:lnTo>
-                <a:lnTo>
-                  <a:pt x="0" y="1391331"/>
-                </a:lnTo>
+                <a:cubicBezTo>
+                  <a:pt x="354557" y="3975154"/>
+                  <a:pt x="0" y="3280421"/>
+                  <a:pt x="0" y="2502877"/>
+                </a:cubicBezTo>
+                <a:cubicBezTo>
+                  <a:pt x="0" y="1120576"/>
+                  <a:pt x="1120576" y="0"/>
+                  <a:pt x="2502877" y="0"/>
+                </a:cubicBezTo>
+                <a:cubicBezTo>
+                  <a:pt x="3712390" y="0"/>
+                  <a:pt x="4721520" y="857941"/>
+                  <a:pt x="4954904" y="1998460"/>
+                </a:cubicBezTo>
                 <a:close/>
               </a:path>
             </a:pathLst>
           </a:custGeom>
-          <a:solidFill>
-            <a:schemeClr val="accent1">
-              <a:alpha val="30000"/>
-            </a:schemeClr>
-          </a:solidFill>
+          <a:gradFill>
+            <a:gsLst>
+              <a:gs pos="0">
+                <a:schemeClr val="accent1">
+                  <a:alpha val="22000"/>
+                </a:schemeClr>
+              </a:gs>
+              <a:gs pos="87000">
+                <a:schemeClr val="accent1">
+                  <a:lumMod val="60000"/>
+                  <a:lumOff val="40000"/>
+                  <a:alpha val="2000"/>
+                </a:schemeClr>
+              </a:gs>
+            </a:gsLst>
+            <a:lin ang="8400000" scaled="0"/>
+          </a:gradFill>
           <a:ln>
             <a:noFill/>
           </a:ln>
@@ -3535,511 +3899,87 @@
           <a:lstStyle/>
           <a:p>
             <a:pPr algn="ctr"/>
-            <a:endParaRPr lang="en-US"/>
+            <a:endParaRPr lang="en-US" dirty="0"/>
           </a:p>
         </p:txBody>
       </p:sp>
       <p:sp>
         <p:nvSpPr>
-          <p:cNvPr id="12" name="Freeform: Shape 11">
-            <a:extLst>
-              <a:ext uri="{FF2B5EF4-FFF2-40B4-BE49-F238E27FC236}">
-                <a16:creationId xmlns:a16="http://schemas.microsoft.com/office/drawing/2014/main" id="{82EAAEF9-78E9-4B67-93B4-CD09F7570300}"/>
-              </a:ext>
-              <a:ext uri="{C183D7F6-B498-43B3-948B-1728B52AA6E4}">
-                <adec:decorative xmlns:adec="http://schemas.microsoft.com/office/drawing/2017/decorative" val="1"/>
-              </a:ext>
-            </a:extLst>
-          </p:cNvPr>
-          <p:cNvSpPr>
-            <a:spLocks noGrp="1" noRot="1" noChangeAspect="1" noMove="1" noResize="1" noEditPoints="1" noAdjustHandles="1" noChangeArrowheads="1" noChangeShapeType="1" noTextEdit="1"/>
+          <p:cNvPr id="22" name="Title 1">
+            <a:extLst>
+              <a:ext uri="{FF2B5EF4-FFF2-40B4-BE49-F238E27FC236}">
+                <a16:creationId xmlns:a16="http://schemas.microsoft.com/office/drawing/2014/main" id="{636B5AB4-1489-44B0-8CE7-867E9E09101B}"/>
+              </a:ext>
+            </a:extLst>
+          </p:cNvPr>
+          <p:cNvSpPr txBox="1">
+            <a:spLocks/>
           </p:cNvSpPr>
-          <p:nvPr>
-            <p:extLst>
-              <p:ext uri="{386F3935-93C4-4BCD-93E2-E3B085C9AB24}">
-                <p16:designElem xmlns:p16="http://schemas.microsoft.com/office/powerpoint/2015/main" val="1"/>
-              </p:ext>
-            </p:extLst>
-          </p:nvPr>
+          <p:nvPr/>
         </p:nvSpPr>
         <p:spPr>
-          <a:xfrm rot="2700000">
-            <a:off x="2069931" y="-1536286"/>
-            <a:ext cx="6135300" cy="6135298"/>
+          <a:xfrm>
+            <a:off x="1314824" y="735106"/>
+            <a:ext cx="10053763" cy="2928470"/>
           </a:xfrm>
-          <a:custGeom>
+          <a:prstGeom prst="rect">
             <a:avLst/>
-            <a:gdLst>
-              <a:gd name="connsiteX0" fmla="*/ 0 w 6135300"/>
-              <a:gd name="connsiteY0" fmla="*/ 3971712 h 6135298"/>
-              <a:gd name="connsiteX1" fmla="*/ 3971712 w 6135300"/>
-              <a:gd name="connsiteY1" fmla="*/ 0 h 6135298"/>
-              <a:gd name="connsiteX2" fmla="*/ 6135300 w 6135300"/>
-              <a:gd name="connsiteY2" fmla="*/ 0 h 6135298"/>
-              <a:gd name="connsiteX3" fmla="*/ 6135300 w 6135300"/>
-              <a:gd name="connsiteY3" fmla="*/ 6135298 h 6135298"/>
-              <a:gd name="connsiteX4" fmla="*/ 0 w 6135300"/>
-              <a:gd name="connsiteY4" fmla="*/ 6135298 h 6135298"/>
-            </a:gdLst>
-            <a:ahLst/>
-            <a:cxnLst>
-              <a:cxn ang="0">
-                <a:pos x="connsiteX0" y="connsiteY0"/>
-              </a:cxn>
-              <a:cxn ang="0">
-                <a:pos x="connsiteX1" y="connsiteY1"/>
-              </a:cxn>
-              <a:cxn ang="0">
-                <a:pos x="connsiteX2" y="connsiteY2"/>
-              </a:cxn>
-              <a:cxn ang="0">
-                <a:pos x="connsiteX3" y="connsiteY3"/>
-              </a:cxn>
-              <a:cxn ang="0">
-                <a:pos x="connsiteX4" y="connsiteY4"/>
-              </a:cxn>
-            </a:cxnLst>
-            <a:rect l="l" t="t" r="r" b="b"/>
-            <a:pathLst>
-              <a:path w="6135300" h="6135298">
-                <a:moveTo>
-                  <a:pt x="0" y="3971712"/>
-                </a:moveTo>
-                <a:lnTo>
-                  <a:pt x="3971712" y="0"/>
-                </a:lnTo>
-                <a:lnTo>
-                  <a:pt x="6135300" y="0"/>
-                </a:lnTo>
-                <a:lnTo>
-                  <a:pt x="6135300" y="6135298"/>
-                </a:lnTo>
-                <a:lnTo>
-                  <a:pt x="0" y="6135298"/>
-                </a:lnTo>
-                <a:close/>
-              </a:path>
-            </a:pathLst>
-          </a:custGeom>
-          <a:solidFill>
-            <a:schemeClr val="accent4">
-              <a:alpha val="30000"/>
-            </a:schemeClr>
-          </a:solidFill>
-          <a:ln>
-            <a:noFill/>
-          </a:ln>
+          </a:prstGeom>
         </p:spPr>
-        <p:style>
-          <a:lnRef idx="2">
-            <a:schemeClr val="accent1">
-              <a:shade val="50000"/>
-            </a:schemeClr>
-          </a:lnRef>
-          <a:fillRef idx="1">
-            <a:schemeClr val="accent1"/>
-          </a:fillRef>
-          <a:effectRef idx="0">
-            <a:schemeClr val="accent1"/>
-          </a:effectRef>
-          <a:fontRef idx="minor">
-            <a:schemeClr val="lt1"/>
-          </a:fontRef>
-        </p:style>
         <p:txBody>
-          <a:bodyPr wrap="square" rtlCol="0" anchor="ctr">
-            <a:noAutofit/>
+          <a:bodyPr vert="horz" lIns="91440" tIns="45720" rIns="91440" bIns="45720" rtlCol="0" anchor="b">
+            <a:normAutofit/>
           </a:bodyPr>
-          <a:lstStyle/>
-          <a:p>
-            <a:pPr algn="ctr"/>
-            <a:endParaRPr lang="en-US"/>
+          <a:lstStyle>
+            <a:lvl1pPr algn="ctr" defTabSz="914400" rtl="0" eaLnBrk="1" latinLnBrk="0" hangingPunct="1">
+              <a:lnSpc>
+                <a:spcPct val="90000"/>
+              </a:lnSpc>
+              <a:spcBef>
+                <a:spcPct val="0"/>
+              </a:spcBef>
+              <a:buNone/>
+              <a:defRPr sz="6000" kern="1200">
+                <a:solidFill>
+                  <a:schemeClr val="tx1"/>
+                </a:solidFill>
+                <a:latin typeface="+mj-lt"/>
+                <a:ea typeface="+mj-ea"/>
+                <a:cs typeface="+mj-cs"/>
+              </a:defRPr>
+            </a:lvl1pPr>
+          </a:lstStyle>
+          <a:p>
+            <a:pPr algn="l"/>
+            <a:r>
+              <a:rPr lang="en-US" sz="4800" b="1" dirty="0">
+                <a:solidFill>
+                  <a:srgbClr val="FFFFFF"/>
+                </a:solidFill>
+              </a:rPr>
+              <a:t>Text Processing Techniques</a:t>
+            </a:r>
+            <a:br>
+              <a:rPr lang="en-US" sz="4800" b="1" dirty="0">
+                <a:solidFill>
+                  <a:srgbClr val="FFFFFF"/>
+                </a:solidFill>
+              </a:rPr>
+            </a:br>
+            <a:endParaRPr lang="en-GB" sz="4800" dirty="0">
+              <a:solidFill>
+                <a:srgbClr val="FFFFFF"/>
+              </a:solidFill>
+            </a:endParaRPr>
           </a:p>
         </p:txBody>
       </p:sp>
       <p:sp>
         <p:nvSpPr>
-          <p:cNvPr id="14" name="Freeform: Shape 13">
-            <a:extLst>
-              <a:ext uri="{FF2B5EF4-FFF2-40B4-BE49-F238E27FC236}">
-                <a16:creationId xmlns:a16="http://schemas.microsoft.com/office/drawing/2014/main" id="{2CE23D09-8BA3-4FEE-892D-ACE847DC085D}"/>
-              </a:ext>
-              <a:ext uri="{C183D7F6-B498-43B3-948B-1728B52AA6E4}">
-                <adec:decorative xmlns:adec="http://schemas.microsoft.com/office/drawing/2017/decorative" val="1"/>
-              </a:ext>
-            </a:extLst>
-          </p:cNvPr>
-          <p:cNvSpPr>
-            <a:spLocks noGrp="1" noRot="1" noChangeAspect="1" noMove="1" noResize="1" noEditPoints="1" noAdjustHandles="1" noChangeArrowheads="1" noChangeShapeType="1" noTextEdit="1"/>
-          </p:cNvSpPr>
-          <p:nvPr>
-            <p:extLst>
-              <p:ext uri="{386F3935-93C4-4BCD-93E2-E3B085C9AB24}">
-                <p16:designElem xmlns:p16="http://schemas.microsoft.com/office/powerpoint/2015/main" val="1"/>
-              </p:ext>
-            </p:extLst>
-          </p:nvPr>
-        </p:nvSpPr>
-        <p:spPr>
-          <a:xfrm rot="2700000">
-            <a:off x="8050242" y="292975"/>
-            <a:ext cx="5056735" cy="9206602"/>
-          </a:xfrm>
-          <a:custGeom>
-            <a:avLst/>
-            <a:gdLst>
-              <a:gd name="connsiteX0" fmla="*/ 0 w 5053652"/>
-              <a:gd name="connsiteY0" fmla="*/ 209273 h 9200989"/>
-              <a:gd name="connsiteX1" fmla="*/ 209274 w 5053652"/>
-              <a:gd name="connsiteY1" fmla="*/ 0 h 9200989"/>
-              <a:gd name="connsiteX2" fmla="*/ 5053652 w 5053652"/>
-              <a:gd name="connsiteY2" fmla="*/ 4844379 h 9200989"/>
-              <a:gd name="connsiteX3" fmla="*/ 697042 w 5053652"/>
-              <a:gd name="connsiteY3" fmla="*/ 9200989 h 9200989"/>
-              <a:gd name="connsiteX4" fmla="*/ 0 w 5053652"/>
-              <a:gd name="connsiteY4" fmla="*/ 9200989 h 9200989"/>
-            </a:gdLst>
-            <a:ahLst/>
-            <a:cxnLst>
-              <a:cxn ang="0">
-                <a:pos x="connsiteX0" y="connsiteY0"/>
-              </a:cxn>
-              <a:cxn ang="0">
-                <a:pos x="connsiteX1" y="connsiteY1"/>
-              </a:cxn>
-              <a:cxn ang="0">
-                <a:pos x="connsiteX2" y="connsiteY2"/>
-              </a:cxn>
-              <a:cxn ang="0">
-                <a:pos x="connsiteX3" y="connsiteY3"/>
-              </a:cxn>
-              <a:cxn ang="0">
-                <a:pos x="connsiteX4" y="connsiteY4"/>
-              </a:cxn>
-            </a:cxnLst>
-            <a:rect l="l" t="t" r="r" b="b"/>
-            <a:pathLst>
-              <a:path w="5053652" h="9200989">
-                <a:moveTo>
-                  <a:pt x="0" y="209273"/>
-                </a:moveTo>
-                <a:lnTo>
-                  <a:pt x="209274" y="0"/>
-                </a:lnTo>
-                <a:lnTo>
-                  <a:pt x="5053652" y="4844379"/>
-                </a:lnTo>
-                <a:lnTo>
-                  <a:pt x="697042" y="9200989"/>
-                </a:lnTo>
-                <a:lnTo>
-                  <a:pt x="0" y="9200989"/>
-                </a:lnTo>
-                <a:close/>
-              </a:path>
-            </a:pathLst>
-          </a:custGeom>
-          <a:solidFill>
-            <a:schemeClr val="accent1">
-              <a:alpha val="30000"/>
-            </a:schemeClr>
-          </a:solidFill>
-          <a:ln>
-            <a:noFill/>
-          </a:ln>
-        </p:spPr>
-        <p:style>
-          <a:lnRef idx="2">
-            <a:schemeClr val="accent1">
-              <a:shade val="50000"/>
-            </a:schemeClr>
-          </a:lnRef>
-          <a:fillRef idx="1">
-            <a:schemeClr val="accent1"/>
-          </a:fillRef>
-          <a:effectRef idx="0">
-            <a:schemeClr val="accent1"/>
-          </a:effectRef>
-          <a:fontRef idx="minor">
-            <a:schemeClr val="lt1"/>
-          </a:fontRef>
-        </p:style>
-        <p:txBody>
-          <a:bodyPr wrap="square" rtlCol="0" anchor="ctr">
-            <a:noAutofit/>
-          </a:bodyPr>
-          <a:lstStyle/>
-          <a:p>
-            <a:pPr algn="ctr"/>
-            <a:endParaRPr lang="en-US"/>
-          </a:p>
-        </p:txBody>
-      </p:sp>
-      <p:sp>
-        <p:nvSpPr>
-          <p:cNvPr id="16" name="Rectangle 15">
-            <a:extLst>
-              <a:ext uri="{FF2B5EF4-FFF2-40B4-BE49-F238E27FC236}">
-                <a16:creationId xmlns:a16="http://schemas.microsoft.com/office/drawing/2014/main" id="{5707F116-8EC0-4822-9067-186AC8C96EB8}"/>
-              </a:ext>
-              <a:ext uri="{C183D7F6-B498-43B3-948B-1728B52AA6E4}">
-                <adec:decorative xmlns:adec="http://schemas.microsoft.com/office/drawing/2017/decorative" val="1"/>
-              </a:ext>
-            </a:extLst>
-          </p:cNvPr>
-          <p:cNvSpPr>
-            <a:spLocks noGrp="1" noRot="1" noChangeAspect="1" noMove="1" noResize="1" noEditPoints="1" noAdjustHandles="1" noChangeArrowheads="1" noChangeShapeType="1" noTextEdit="1"/>
-          </p:cNvSpPr>
-          <p:nvPr>
-            <p:extLst>
-              <p:ext uri="{386F3935-93C4-4BCD-93E2-E3B085C9AB24}">
-                <p16:designElem xmlns:p16="http://schemas.microsoft.com/office/powerpoint/2015/main" val="1"/>
-              </p:ext>
-            </p:extLst>
-          </p:nvPr>
-        </p:nvSpPr>
-        <p:spPr>
-          <a:xfrm rot="2700000">
-            <a:off x="1138684" y="1316432"/>
-            <a:ext cx="4225136" cy="4225134"/>
-          </a:xfrm>
-          <a:prstGeom prst="rect">
-            <a:avLst/>
-          </a:prstGeom>
-          <a:solidFill>
-            <a:srgbClr val="FFFFFF"/>
-          </a:solidFill>
-          <a:ln>
-            <a:noFill/>
-          </a:ln>
-        </p:spPr>
-        <p:style>
-          <a:lnRef idx="2">
-            <a:schemeClr val="accent1">
-              <a:shade val="50000"/>
-            </a:schemeClr>
-          </a:lnRef>
-          <a:fillRef idx="1">
-            <a:schemeClr val="accent1"/>
-          </a:fillRef>
-          <a:effectRef idx="0">
-            <a:schemeClr val="accent1"/>
-          </a:effectRef>
-          <a:fontRef idx="minor">
-            <a:schemeClr val="lt1"/>
-          </a:fontRef>
-        </p:style>
-        <p:txBody>
-          <a:bodyPr rtlCol="0" anchor="ctr"/>
-          <a:lstStyle/>
-          <a:p>
-            <a:pPr algn="ctr"/>
-            <a:endParaRPr lang="en-US" sz="1600"/>
-          </a:p>
-        </p:txBody>
-      </p:sp>
-      <p:sp>
-        <p:nvSpPr>
-          <p:cNvPr id="18" name="Freeform: Shape 17">
-            <a:extLst>
-              <a:ext uri="{FF2B5EF4-FFF2-40B4-BE49-F238E27FC236}">
-                <a16:creationId xmlns:a16="http://schemas.microsoft.com/office/drawing/2014/main" id="{6BFBE7AA-40DE-4FE5-B385-5CA874501B05}"/>
-              </a:ext>
-              <a:ext uri="{C183D7F6-B498-43B3-948B-1728B52AA6E4}">
-                <adec:decorative xmlns:adec="http://schemas.microsoft.com/office/drawing/2017/decorative" val="1"/>
-              </a:ext>
-            </a:extLst>
-          </p:cNvPr>
-          <p:cNvSpPr>
-            <a:spLocks noGrp="1" noRot="1" noChangeAspect="1" noMove="1" noResize="1" noEditPoints="1" noAdjustHandles="1" noChangeArrowheads="1" noChangeShapeType="1" noTextEdit="1"/>
-          </p:cNvSpPr>
-          <p:nvPr>
-            <p:extLst>
-              <p:ext uri="{386F3935-93C4-4BCD-93E2-E3B085C9AB24}">
-                <p16:designElem xmlns:p16="http://schemas.microsoft.com/office/powerpoint/2015/main" val="1"/>
-              </p:ext>
-            </p:extLst>
-          </p:nvPr>
-        </p:nvSpPr>
-        <p:spPr>
-          <a:xfrm rot="2700000">
-            <a:off x="563919" y="753376"/>
-            <a:ext cx="5353835" cy="5353835"/>
-          </a:xfrm>
-          <a:custGeom>
-            <a:avLst/>
-            <a:gdLst>
-              <a:gd name="connsiteX0" fmla="*/ 690506 w 5353835"/>
-              <a:gd name="connsiteY0" fmla="*/ 5273742 h 5353835"/>
-              <a:gd name="connsiteX1" fmla="*/ 4927602 w 5353835"/>
-              <a:gd name="connsiteY1" fmla="*/ 5273742 h 5353835"/>
-              <a:gd name="connsiteX2" fmla="*/ 4847509 w 5353835"/>
-              <a:gd name="connsiteY2" fmla="*/ 5353835 h 5353835"/>
-              <a:gd name="connsiteX3" fmla="*/ 770599 w 5353835"/>
-              <a:gd name="connsiteY3" fmla="*/ 5353835 h 5353835"/>
-              <a:gd name="connsiteX4" fmla="*/ 422575 w 5353835"/>
-              <a:gd name="connsiteY4" fmla="*/ 80093 h 5353835"/>
-              <a:gd name="connsiteX5" fmla="*/ 502668 w 5353835"/>
-              <a:gd name="connsiteY5" fmla="*/ 0 h 5353835"/>
-              <a:gd name="connsiteX6" fmla="*/ 5353835 w 5353835"/>
-              <a:gd name="connsiteY6" fmla="*/ 0 h 5353835"/>
-              <a:gd name="connsiteX7" fmla="*/ 5353835 w 5353835"/>
-              <a:gd name="connsiteY7" fmla="*/ 4847509 h 5353835"/>
-              <a:gd name="connsiteX8" fmla="*/ 5273742 w 5353835"/>
-              <a:gd name="connsiteY8" fmla="*/ 4927602 h 5353835"/>
-              <a:gd name="connsiteX9" fmla="*/ 5273742 w 5353835"/>
-              <a:gd name="connsiteY9" fmla="*/ 80093 h 5353835"/>
-              <a:gd name="connsiteX10" fmla="*/ 0 w 5353835"/>
-              <a:gd name="connsiteY10" fmla="*/ 502667 h 5353835"/>
-              <a:gd name="connsiteX11" fmla="*/ 80093 w 5353835"/>
-              <a:gd name="connsiteY11" fmla="*/ 422574 h 5353835"/>
-              <a:gd name="connsiteX12" fmla="*/ 80093 w 5353835"/>
-              <a:gd name="connsiteY12" fmla="*/ 4663329 h 5353835"/>
-              <a:gd name="connsiteX13" fmla="*/ 0 w 5353835"/>
-              <a:gd name="connsiteY13" fmla="*/ 4583236 h 5353835"/>
-            </a:gdLst>
-            <a:ahLst/>
-            <a:cxnLst>
-              <a:cxn ang="0">
-                <a:pos x="connsiteX0" y="connsiteY0"/>
-              </a:cxn>
-              <a:cxn ang="0">
-                <a:pos x="connsiteX1" y="connsiteY1"/>
-              </a:cxn>
-              <a:cxn ang="0">
-                <a:pos x="connsiteX2" y="connsiteY2"/>
-              </a:cxn>
-              <a:cxn ang="0">
-                <a:pos x="connsiteX3" y="connsiteY3"/>
-              </a:cxn>
-              <a:cxn ang="0">
-                <a:pos x="connsiteX4" y="connsiteY4"/>
-              </a:cxn>
-              <a:cxn ang="0">
-                <a:pos x="connsiteX5" y="connsiteY5"/>
-              </a:cxn>
-              <a:cxn ang="0">
-                <a:pos x="connsiteX6" y="connsiteY6"/>
-              </a:cxn>
-              <a:cxn ang="0">
-                <a:pos x="connsiteX7" y="connsiteY7"/>
-              </a:cxn>
-              <a:cxn ang="0">
-                <a:pos x="connsiteX8" y="connsiteY8"/>
-              </a:cxn>
-              <a:cxn ang="0">
-                <a:pos x="connsiteX9" y="connsiteY9"/>
-              </a:cxn>
-              <a:cxn ang="0">
-                <a:pos x="connsiteX10" y="connsiteY10"/>
-              </a:cxn>
-              <a:cxn ang="0">
-                <a:pos x="connsiteX11" y="connsiteY11"/>
-              </a:cxn>
-              <a:cxn ang="0">
-                <a:pos x="connsiteX12" y="connsiteY12"/>
-              </a:cxn>
-              <a:cxn ang="0">
-                <a:pos x="connsiteX13" y="connsiteY13"/>
-              </a:cxn>
-            </a:cxnLst>
-            <a:rect l="l" t="t" r="r" b="b"/>
-            <a:pathLst>
-              <a:path w="5353835" h="5353835">
-                <a:moveTo>
-                  <a:pt x="690506" y="5273742"/>
-                </a:moveTo>
-                <a:lnTo>
-                  <a:pt x="4927602" y="5273742"/>
-                </a:lnTo>
-                <a:lnTo>
-                  <a:pt x="4847509" y="5353835"/>
-                </a:lnTo>
-                <a:lnTo>
-                  <a:pt x="770599" y="5353835"/>
-                </a:lnTo>
-                <a:close/>
-                <a:moveTo>
-                  <a:pt x="422575" y="80093"/>
-                </a:moveTo>
-                <a:lnTo>
-                  <a:pt x="502668" y="0"/>
-                </a:lnTo>
-                <a:lnTo>
-                  <a:pt x="5353835" y="0"/>
-                </a:lnTo>
-                <a:lnTo>
-                  <a:pt x="5353835" y="4847509"/>
-                </a:lnTo>
-                <a:lnTo>
-                  <a:pt x="5273742" y="4927602"/>
-                </a:lnTo>
-                <a:lnTo>
-                  <a:pt x="5273742" y="80093"/>
-                </a:lnTo>
-                <a:close/>
-                <a:moveTo>
-                  <a:pt x="0" y="502667"/>
-                </a:moveTo>
-                <a:lnTo>
-                  <a:pt x="80093" y="422574"/>
-                </a:lnTo>
-                <a:lnTo>
-                  <a:pt x="80093" y="4663329"/>
-                </a:lnTo>
-                <a:lnTo>
-                  <a:pt x="0" y="4583236"/>
-                </a:lnTo>
-                <a:close/>
-              </a:path>
-            </a:pathLst>
-          </a:custGeom>
-          <a:solidFill>
-            <a:srgbClr val="FFFFFF">
-              <a:alpha val="60000"/>
-            </a:srgbClr>
-          </a:solidFill>
-          <a:ln>
-            <a:noFill/>
-          </a:ln>
-        </p:spPr>
-        <p:style>
-          <a:lnRef idx="2">
-            <a:schemeClr val="accent1">
-              <a:shade val="50000"/>
-            </a:schemeClr>
-          </a:lnRef>
-          <a:fillRef idx="1">
-            <a:schemeClr val="accent1"/>
-          </a:fillRef>
-          <a:effectRef idx="0">
-            <a:schemeClr val="accent1"/>
-          </a:effectRef>
-          <a:fontRef idx="minor">
-            <a:schemeClr val="lt1"/>
-          </a:fontRef>
-        </p:style>
-        <p:txBody>
-          <a:bodyPr wrap="square" rtlCol="0" anchor="ctr">
-            <a:noAutofit/>
-          </a:bodyPr>
-          <a:lstStyle/>
-          <a:p>
-            <a:pPr algn="ctr"/>
-            <a:endParaRPr lang="en-US">
-              <a:solidFill>
-                <a:schemeClr val="tx1"/>
-              </a:solidFill>
-            </a:endParaRPr>
-          </a:p>
-        </p:txBody>
-      </p:sp>
-      <p:sp>
-        <p:nvSpPr>
-          <p:cNvPr id="2" name="Title 1">
-            <a:extLst>
-              <a:ext uri="{FF2B5EF4-FFF2-40B4-BE49-F238E27FC236}">
-                <a16:creationId xmlns:a16="http://schemas.microsoft.com/office/drawing/2014/main" id="{9DC2C667-EF52-40B7-BC97-7A9DE7C86413}"/>
+          <p:cNvPr id="23" name="Subtitle 2">
+            <a:extLst>
+              <a:ext uri="{FF2B5EF4-FFF2-40B4-BE49-F238E27FC236}">
+                <a16:creationId xmlns:a16="http://schemas.microsoft.com/office/drawing/2014/main" id="{938F4663-FDE6-44B8-80C0-EA9F8D663B1A}"/>
               </a:ext>
             </a:extLst>
           </p:cNvPr>
@@ -4047,15 +3987,14 @@
             <a:spLocks noGrp="1"/>
           </p:cNvSpPr>
           <p:nvPr>
-            <p:ph type="ctrTitle"/>
+            <p:ph type="subTitle" idx="1"/>
           </p:nvPr>
         </p:nvSpPr>
         <p:spPr>
           <a:xfrm>
-            <a:off x="1116701" y="2452526"/>
-            <a:ext cx="4248318" cy="1952947"/>
+            <a:off x="1350682" y="4870824"/>
+            <a:ext cx="10005951" cy="1458258"/>
           </a:xfrm>
-          <a:noFill/>
         </p:spPr>
         <p:txBody>
           <a:bodyPr anchor="ctr">
@@ -4063,145 +4002,309 @@
           </a:bodyPr>
           <a:lstStyle/>
           <a:p>
-            <a:r>
-              <a:rPr lang="en-GB" sz="4800" b="1" dirty="0">
-                <a:solidFill>
-                  <a:srgbClr val="002060"/>
-                </a:solidFill>
-                <a:latin typeface="+mn-lt"/>
-              </a:rPr>
-              <a:t>Text Processing</a:t>
-            </a:r>
+            <a:pPr algn="l"/>
+            <a:r>
+              <a:rPr lang="en-US" b="1" dirty="0"/>
+              <a:t>Women in AI Academy and Consultancy</a:t>
+            </a:r>
+          </a:p>
+          <a:p>
+            <a:pPr algn="l"/>
+            <a:r>
+              <a:rPr lang="en-US" b="1" dirty="0"/>
+              <a:t>Nabanita Roy</a:t>
+            </a:r>
+          </a:p>
+          <a:p>
+            <a:pPr algn="l"/>
+            <a:endParaRPr lang="en-GB" dirty="0"/>
           </a:p>
         </p:txBody>
       </p:sp>
       <p:sp>
         <p:nvSpPr>
-          <p:cNvPr id="32" name="Isosceles Triangle 19">
-            <a:extLst>
-              <a:ext uri="{FF2B5EF4-FFF2-40B4-BE49-F238E27FC236}">
-                <a16:creationId xmlns:a16="http://schemas.microsoft.com/office/drawing/2014/main" id="{41ACE746-85D5-45EE-8944-61B542B392FC}"/>
-              </a:ext>
-              <a:ext uri="{C183D7F6-B498-43B3-948B-1728B52AA6E4}">
-                <adec:decorative xmlns:adec="http://schemas.microsoft.com/office/drawing/2017/decorative" val="1"/>
-              </a:ext>
-            </a:extLst>
-          </p:cNvPr>
-          <p:cNvSpPr>
-            <a:spLocks noGrp="1" noRot="1" noChangeAspect="1" noMove="1" noResize="1" noEditPoints="1" noAdjustHandles="1" noChangeArrowheads="1" noChangeShapeType="1" noTextEdit="1"/>
-          </p:cNvSpPr>
-          <p:nvPr>
-            <p:extLst>
-              <p:ext uri="{386F3935-93C4-4BCD-93E2-E3B085C9AB24}">
-                <p16:designElem xmlns:p16="http://schemas.microsoft.com/office/powerpoint/2015/main" val="1"/>
-              </p:ext>
-            </p:extLst>
-          </p:nvPr>
+          <p:cNvPr id="24" name="Google Shape;114;p3">
+            <a:extLst>
+              <a:ext uri="{FF2B5EF4-FFF2-40B4-BE49-F238E27FC236}">
+                <a16:creationId xmlns:a16="http://schemas.microsoft.com/office/drawing/2014/main" id="{130A917C-33F1-4466-B30B-249D11BE6CB4}"/>
+              </a:ext>
+            </a:extLst>
+          </p:cNvPr>
+          <p:cNvSpPr/>
+          <p:nvPr/>
         </p:nvSpPr>
         <p:spPr>
-          <a:xfrm rot="10800000">
-            <a:off x="7026569" y="0"/>
-            <a:ext cx="3216074" cy="1608038"/>
+          <a:xfrm>
+            <a:off x="8662369" y="4983829"/>
+            <a:ext cx="3029707" cy="998236"/>
           </a:xfrm>
-          <a:prstGeom prst="triangle">
+          <a:prstGeom prst="rect">
             <a:avLst/>
           </a:prstGeom>
-          <a:solidFill>
-            <a:schemeClr val="accent4">
-              <a:alpha val="30000"/>
-            </a:schemeClr>
-          </a:solidFill>
+          <a:blipFill rotWithShape="1">
+            <a:blip r:embed="rId2">
+              <a:alphaModFix/>
+            </a:blip>
+            <a:stretch>
+              <a:fillRect/>
+            </a:stretch>
+          </a:blipFill>
           <a:ln>
             <a:noFill/>
           </a:ln>
         </p:spPr>
-        <p:style>
-          <a:lnRef idx="2">
-            <a:schemeClr val="accent1">
-              <a:shade val="50000"/>
-            </a:schemeClr>
-          </a:lnRef>
-          <a:fillRef idx="1">
-            <a:schemeClr val="accent1"/>
-          </a:fillRef>
-          <a:effectRef idx="0">
-            <a:schemeClr val="accent1"/>
-          </a:effectRef>
-          <a:fontRef idx="minor">
-            <a:schemeClr val="lt1"/>
-          </a:fontRef>
-        </p:style>
         <p:txBody>
-          <a:bodyPr rtlCol="0" anchor="ctr"/>
-          <a:lstStyle/>
-          <a:p>
-            <a:pPr algn="ctr"/>
-            <a:endParaRPr lang="en-US"/>
-          </a:p>
-        </p:txBody>
-      </p:sp>
-      <p:sp>
-        <p:nvSpPr>
-          <p:cNvPr id="33" name="Isosceles Triangle 21">
-            <a:extLst>
-              <a:ext uri="{FF2B5EF4-FFF2-40B4-BE49-F238E27FC236}">
-                <a16:creationId xmlns:a16="http://schemas.microsoft.com/office/drawing/2014/main" id="{00BB3E03-CC38-4FA6-9A99-701C62D05A5B}"/>
-              </a:ext>
-              <a:ext uri="{C183D7F6-B498-43B3-948B-1728B52AA6E4}">
-                <adec:decorative xmlns:adec="http://schemas.microsoft.com/office/drawing/2017/decorative" val="1"/>
-              </a:ext>
-            </a:extLst>
-          </p:cNvPr>
-          <p:cNvSpPr>
-            <a:spLocks noGrp="1" noRot="1" noChangeAspect="1" noMove="1" noResize="1" noEditPoints="1" noAdjustHandles="1" noChangeArrowheads="1" noChangeShapeType="1" noTextEdit="1"/>
-          </p:cNvSpPr>
-          <p:nvPr>
-            <p:extLst>
-              <p:ext uri="{386F3935-93C4-4BCD-93E2-E3B085C9AB24}">
-                <p16:designElem xmlns:p16="http://schemas.microsoft.com/office/powerpoint/2015/main" val="1"/>
-              </p:ext>
-            </p:extLst>
-          </p:nvPr>
-        </p:nvSpPr>
-        <p:spPr>
-          <a:xfrm>
-            <a:off x="3586059" y="4738109"/>
-            <a:ext cx="4239780" cy="2119891"/>
-          </a:xfrm>
-          <a:prstGeom prst="triangle">
-            <a:avLst/>
-          </a:prstGeom>
-          <a:solidFill>
-            <a:schemeClr val="accent4">
-              <a:alpha val="30000"/>
-            </a:schemeClr>
-          </a:solidFill>
-          <a:ln>
-            <a:noFill/>
-          </a:ln>
-        </p:spPr>
-        <p:style>
-          <a:lnRef idx="2">
-            <a:schemeClr val="accent1">
-              <a:shade val="50000"/>
-            </a:schemeClr>
-          </a:lnRef>
-          <a:fillRef idx="1">
-            <a:schemeClr val="accent1"/>
-          </a:fillRef>
-          <a:effectRef idx="0">
-            <a:schemeClr val="accent1"/>
-          </a:effectRef>
-          <a:fontRef idx="minor">
-            <a:schemeClr val="lt1"/>
-          </a:fontRef>
-        </p:style>
-        <p:txBody>
-          <a:bodyPr rtlCol="0" anchor="ctr"/>
-          <a:lstStyle/>
-          <a:p>
-            <a:pPr algn="ctr"/>
-            <a:endParaRPr lang="en-US"/>
+          <a:bodyPr spcFirstLastPara="1" wrap="square" lIns="0" tIns="0" rIns="0" bIns="0" anchor="t" anchorCtr="0">
+            <a:noAutofit/>
+          </a:bodyPr>
+          <a:lstStyle>
+            <a:defPPr marR="0" lvl="0" algn="l" rtl="0">
+              <a:lnSpc>
+                <a:spcPct val="100000"/>
+              </a:lnSpc>
+              <a:spcBef>
+                <a:spcPts val="0"/>
+              </a:spcBef>
+              <a:spcAft>
+                <a:spcPts val="0"/>
+              </a:spcAft>
+            </a:defPPr>
+            <a:lvl1pPr marR="0" lvl="0" algn="l" rtl="0">
+              <a:lnSpc>
+                <a:spcPct val="100000"/>
+              </a:lnSpc>
+              <a:spcBef>
+                <a:spcPts val="0"/>
+              </a:spcBef>
+              <a:spcAft>
+                <a:spcPts val="0"/>
+              </a:spcAft>
+              <a:buClr>
+                <a:srgbClr val="000000"/>
+              </a:buClr>
+              <a:buFont typeface="Arial"/>
+              <a:defRPr sz="1400" b="0" i="0" u="none" strike="noStrike" cap="none">
+                <a:solidFill>
+                  <a:srgbClr val="000000"/>
+                </a:solidFill>
+                <a:latin typeface="Arial"/>
+                <a:ea typeface="Arial"/>
+                <a:cs typeface="Arial"/>
+                <a:sym typeface="Arial"/>
+              </a:defRPr>
+            </a:lvl1pPr>
+            <a:lvl2pPr marR="0" lvl="1" algn="l" rtl="0">
+              <a:lnSpc>
+                <a:spcPct val="100000"/>
+              </a:lnSpc>
+              <a:spcBef>
+                <a:spcPts val="0"/>
+              </a:spcBef>
+              <a:spcAft>
+                <a:spcPts val="0"/>
+              </a:spcAft>
+              <a:buClr>
+                <a:srgbClr val="000000"/>
+              </a:buClr>
+              <a:buFont typeface="Arial"/>
+              <a:defRPr sz="1400" b="0" i="0" u="none" strike="noStrike" cap="none">
+                <a:solidFill>
+                  <a:srgbClr val="000000"/>
+                </a:solidFill>
+                <a:latin typeface="Arial"/>
+                <a:ea typeface="Arial"/>
+                <a:cs typeface="Arial"/>
+                <a:sym typeface="Arial"/>
+              </a:defRPr>
+            </a:lvl2pPr>
+            <a:lvl3pPr marR="0" lvl="2" algn="l" rtl="0">
+              <a:lnSpc>
+                <a:spcPct val="100000"/>
+              </a:lnSpc>
+              <a:spcBef>
+                <a:spcPts val="0"/>
+              </a:spcBef>
+              <a:spcAft>
+                <a:spcPts val="0"/>
+              </a:spcAft>
+              <a:buClr>
+                <a:srgbClr val="000000"/>
+              </a:buClr>
+              <a:buFont typeface="Arial"/>
+              <a:defRPr sz="1400" b="0" i="0" u="none" strike="noStrike" cap="none">
+                <a:solidFill>
+                  <a:srgbClr val="000000"/>
+                </a:solidFill>
+                <a:latin typeface="Arial"/>
+                <a:ea typeface="Arial"/>
+                <a:cs typeface="Arial"/>
+                <a:sym typeface="Arial"/>
+              </a:defRPr>
+            </a:lvl3pPr>
+            <a:lvl4pPr marR="0" lvl="3" algn="l" rtl="0">
+              <a:lnSpc>
+                <a:spcPct val="100000"/>
+              </a:lnSpc>
+              <a:spcBef>
+                <a:spcPts val="0"/>
+              </a:spcBef>
+              <a:spcAft>
+                <a:spcPts val="0"/>
+              </a:spcAft>
+              <a:buClr>
+                <a:srgbClr val="000000"/>
+              </a:buClr>
+              <a:buFont typeface="Arial"/>
+              <a:defRPr sz="1400" b="0" i="0" u="none" strike="noStrike" cap="none">
+                <a:solidFill>
+                  <a:srgbClr val="000000"/>
+                </a:solidFill>
+                <a:latin typeface="Arial"/>
+                <a:ea typeface="Arial"/>
+                <a:cs typeface="Arial"/>
+                <a:sym typeface="Arial"/>
+              </a:defRPr>
+            </a:lvl4pPr>
+            <a:lvl5pPr marR="0" lvl="4" algn="l" rtl="0">
+              <a:lnSpc>
+                <a:spcPct val="100000"/>
+              </a:lnSpc>
+              <a:spcBef>
+                <a:spcPts val="0"/>
+              </a:spcBef>
+              <a:spcAft>
+                <a:spcPts val="0"/>
+              </a:spcAft>
+              <a:buClr>
+                <a:srgbClr val="000000"/>
+              </a:buClr>
+              <a:buFont typeface="Arial"/>
+              <a:defRPr sz="1400" b="0" i="0" u="none" strike="noStrike" cap="none">
+                <a:solidFill>
+                  <a:srgbClr val="000000"/>
+                </a:solidFill>
+                <a:latin typeface="Arial"/>
+                <a:ea typeface="Arial"/>
+                <a:cs typeface="Arial"/>
+                <a:sym typeface="Arial"/>
+              </a:defRPr>
+            </a:lvl5pPr>
+            <a:lvl6pPr marR="0" lvl="5" algn="l" rtl="0">
+              <a:lnSpc>
+                <a:spcPct val="100000"/>
+              </a:lnSpc>
+              <a:spcBef>
+                <a:spcPts val="0"/>
+              </a:spcBef>
+              <a:spcAft>
+                <a:spcPts val="0"/>
+              </a:spcAft>
+              <a:buClr>
+                <a:srgbClr val="000000"/>
+              </a:buClr>
+              <a:buFont typeface="Arial"/>
+              <a:defRPr sz="1400" b="0" i="0" u="none" strike="noStrike" cap="none">
+                <a:solidFill>
+                  <a:srgbClr val="000000"/>
+                </a:solidFill>
+                <a:latin typeface="Arial"/>
+                <a:ea typeface="Arial"/>
+                <a:cs typeface="Arial"/>
+                <a:sym typeface="Arial"/>
+              </a:defRPr>
+            </a:lvl6pPr>
+            <a:lvl7pPr marR="0" lvl="6" algn="l" rtl="0">
+              <a:lnSpc>
+                <a:spcPct val="100000"/>
+              </a:lnSpc>
+              <a:spcBef>
+                <a:spcPts val="0"/>
+              </a:spcBef>
+              <a:spcAft>
+                <a:spcPts val="0"/>
+              </a:spcAft>
+              <a:buClr>
+                <a:srgbClr val="000000"/>
+              </a:buClr>
+              <a:buFont typeface="Arial"/>
+              <a:defRPr sz="1400" b="0" i="0" u="none" strike="noStrike" cap="none">
+                <a:solidFill>
+                  <a:srgbClr val="000000"/>
+                </a:solidFill>
+                <a:latin typeface="Arial"/>
+                <a:ea typeface="Arial"/>
+                <a:cs typeface="Arial"/>
+                <a:sym typeface="Arial"/>
+              </a:defRPr>
+            </a:lvl7pPr>
+            <a:lvl8pPr marR="0" lvl="7" algn="l" rtl="0">
+              <a:lnSpc>
+                <a:spcPct val="100000"/>
+              </a:lnSpc>
+              <a:spcBef>
+                <a:spcPts val="0"/>
+              </a:spcBef>
+              <a:spcAft>
+                <a:spcPts val="0"/>
+              </a:spcAft>
+              <a:buClr>
+                <a:srgbClr val="000000"/>
+              </a:buClr>
+              <a:buFont typeface="Arial"/>
+              <a:defRPr sz="1400" b="0" i="0" u="none" strike="noStrike" cap="none">
+                <a:solidFill>
+                  <a:srgbClr val="000000"/>
+                </a:solidFill>
+                <a:latin typeface="Arial"/>
+                <a:ea typeface="Arial"/>
+                <a:cs typeface="Arial"/>
+                <a:sym typeface="Arial"/>
+              </a:defRPr>
+            </a:lvl8pPr>
+            <a:lvl9pPr marR="0" lvl="8" algn="l" rtl="0">
+              <a:lnSpc>
+                <a:spcPct val="100000"/>
+              </a:lnSpc>
+              <a:spcBef>
+                <a:spcPts val="0"/>
+              </a:spcBef>
+              <a:spcAft>
+                <a:spcPts val="0"/>
+              </a:spcAft>
+              <a:buClr>
+                <a:srgbClr val="000000"/>
+              </a:buClr>
+              <a:buFont typeface="Arial"/>
+              <a:defRPr sz="1400" b="0" i="0" u="none" strike="noStrike" cap="none">
+                <a:solidFill>
+                  <a:srgbClr val="000000"/>
+                </a:solidFill>
+                <a:latin typeface="Arial"/>
+                <a:ea typeface="Arial"/>
+                <a:cs typeface="Arial"/>
+                <a:sym typeface="Arial"/>
+              </a:defRPr>
+            </a:lvl9pPr>
+          </a:lstStyle>
+          <a:p>
+            <a:pPr marL="0" marR="0" lvl="0" indent="0" algn="l" rtl="0">
+              <a:spcBef>
+                <a:spcPts val="0"/>
+              </a:spcBef>
+              <a:spcAft>
+                <a:spcPts val="0"/>
+              </a:spcAft>
+              <a:buNone/>
+            </a:pPr>
+            <a:endParaRPr sz="1800">
+              <a:solidFill>
+                <a:schemeClr val="dk1"/>
+              </a:solidFill>
+              <a:latin typeface="Calibri"/>
+              <a:ea typeface="Calibri"/>
+              <a:cs typeface="Calibri"/>
+              <a:sym typeface="Calibri"/>
+            </a:endParaRPr>
           </a:p>
         </p:txBody>
       </p:sp>
